--- a/SPRINT2_MindStorm.pptx
+++ b/SPRINT2_MindStorm.pptx
@@ -108,6 +108,11 @@
       </a:defRPr>
     </a:lvl9pPr>
   </p:defaultTextStyle>
+  <p:extLst>
+    <p:ext uri="{EFAFB233-063F-42B5-8137-9DF3F51BA10A}">
+      <p15:sldGuideLst xmlns:p15="http://schemas.microsoft.com/office/powerpoint/2012/main"/>
+    </p:ext>
+  </p:extLst>
 </p:presentation>
 </file>
 
@@ -3863,6 +3868,9 @@
             </a:r>
             <a:endParaRPr lang="es-EC" dirty="0"/>
           </a:p>
+          <a:p>
+            <a:endParaRPr lang="es-EC" dirty="0"/>
+          </a:p>
         </p:txBody>
       </p:sp>
     </p:spTree>
@@ -4042,15 +4050,15 @@
               <a:buChar char="§"/>
             </a:pPr>
             <a:r>
-              <a:rPr lang="es-EC" dirty="0"/>
+              <a:rPr lang="es-EC" sz="2000" dirty="0"/>
               <a:t>Encontrar una librería que permita extraer la información de los Excel generados por la sección páginas de </a:t>
             </a:r>
             <a:r>
-              <a:rPr lang="es-EC" dirty="0" err="1"/>
+              <a:rPr lang="es-EC" sz="2000" dirty="0" err="1"/>
               <a:t>SidWeb</a:t>
             </a:r>
             <a:r>
-              <a:rPr lang="es-EC" dirty="0"/>
+              <a:rPr lang="es-EC" sz="2000" dirty="0"/>
               <a:t>.</a:t>
             </a:r>
           </a:p>
@@ -4160,6 +4168,42 @@
           </a:p>
         </p:txBody>
       </p:sp>
+      <p:pic>
+        <p:nvPicPr>
+          <p:cNvPr id="5" name="Imagen 4">
+            <a:extLst>
+              <a:ext uri="{FF2B5EF4-FFF2-40B4-BE49-F238E27FC236}">
+                <a16:creationId xmlns:a16="http://schemas.microsoft.com/office/drawing/2014/main" id="{53DB928D-AB82-4071-BC18-9CE03C661250}"/>
+              </a:ext>
+            </a:extLst>
+          </p:cNvPr>
+          <p:cNvPicPr>
+            <a:picLocks noChangeAspect="1"/>
+          </p:cNvPicPr>
+          <p:nvPr/>
+        </p:nvPicPr>
+        <p:blipFill>
+          <a:blip r:embed="rId3">
+            <a:extLst>
+              <a:ext uri="{28A0092B-C50C-407E-A947-70E740481C1C}">
+                <a14:useLocalDpi xmlns:a14="http://schemas.microsoft.com/office/drawing/2010/main" val="0"/>
+              </a:ext>
+            </a:extLst>
+          </a:blip>
+          <a:stretch>
+            <a:fillRect/>
+          </a:stretch>
+        </p:blipFill>
+        <p:spPr>
+          <a:xfrm>
+            <a:off x="5064982" y="3215886"/>
+            <a:ext cx="2062035" cy="1356114"/>
+          </a:xfrm>
+          <a:prstGeom prst="rect">
+            <a:avLst/>
+          </a:prstGeom>
+        </p:spPr>
+      </p:pic>
     </p:spTree>
     <p:extLst>
       <p:ext uri="{BB962C8B-B14F-4D97-AF65-F5344CB8AC3E}">
@@ -4236,7 +4280,9 @@
         </p:nvSpPr>
         <p:spPr/>
         <p:txBody>
-          <a:bodyPr/>
+          <a:bodyPr>
+            <a:normAutofit/>
+          </a:bodyPr>
           <a:lstStyle/>
           <a:p>
             <a:endParaRPr lang="es-EC" dirty="0"/>
@@ -4247,7 +4293,7 @@
               <a:buChar char="§"/>
             </a:pPr>
             <a:r>
-              <a:rPr lang="es-EC" dirty="0"/>
+              <a:rPr lang="es-EC" sz="2000" dirty="0"/>
               <a:t>La implementación del proyecto hasta el momento se esta ejecutando con normalidad ya que los problemas antes encontrados se han solucionado</a:t>
             </a:r>
           </a:p>
@@ -4256,7 +4302,7 @@
               <a:buFont typeface="Wingdings" panose="05000000000000000000" pitchFamily="2" charset="2"/>
               <a:buChar char="§"/>
             </a:pPr>
-            <a:endParaRPr lang="es-EC" dirty="0"/>
+            <a:endParaRPr lang="es-EC" sz="2000" dirty="0"/>
           </a:p>
           <a:p>
             <a:pPr lvl="1">
@@ -4264,7 +4310,7 @@
               <a:buChar char="§"/>
             </a:pPr>
             <a:r>
-              <a:rPr lang="es-EC" dirty="0"/>
+              <a:rPr lang="es-EC" sz="2000" dirty="0"/>
               <a:t>En base a diferentes implementaciones de extracción de datos se tuvo que considerar la mejor para este problema</a:t>
             </a:r>
           </a:p>

--- a/SPRINT2_MindStorm.pptx
+++ b/SPRINT2_MindStorm.pptx
@@ -6,10 +6,12 @@
   </p:sldMasterIdLst>
   <p:sldIdLst>
     <p:sldId id="256" r:id="rId2"/>
-    <p:sldId id="257" r:id="rId3"/>
-    <p:sldId id="258" r:id="rId4"/>
-    <p:sldId id="259" r:id="rId5"/>
-    <p:sldId id="260" r:id="rId6"/>
+    <p:sldId id="261" r:id="rId3"/>
+    <p:sldId id="257" r:id="rId4"/>
+    <p:sldId id="258" r:id="rId5"/>
+    <p:sldId id="259" r:id="rId6"/>
+    <p:sldId id="262" r:id="rId7"/>
+    <p:sldId id="260" r:id="rId8"/>
   </p:sldIdLst>
   <p:sldSz cx="12192000" cy="6858000"/>
   <p:notesSz cx="6858000" cy="9144000"/>
@@ -3908,7 +3910,7 @@
           <p:cNvPr id="2" name="Título 1">
             <a:extLst>
               <a:ext uri="{FF2B5EF4-FFF2-40B4-BE49-F238E27FC236}">
-                <a16:creationId xmlns:a16="http://schemas.microsoft.com/office/drawing/2014/main" id="{536B7F05-76FC-4483-82AB-A8CD7388AC8D}"/>
+                <a16:creationId xmlns:a16="http://schemas.microsoft.com/office/drawing/2014/main" id="{2F621C60-ADE7-4352-AFDD-6BDEAB1C9DD5}"/>
               </a:ext>
             </a:extLst>
           </p:cNvPr>
@@ -3926,7 +3928,7 @@
           <a:p>
             <a:r>
               <a:rPr lang="es-EC" dirty="0"/>
-              <a:t>Meta del Sprint</a:t>
+              <a:t>Historias de Usuario</a:t>
             </a:r>
           </a:p>
         </p:txBody>
@@ -3936,7 +3938,7 @@
           <p:cNvPr id="3" name="Marcador de contenido 2">
             <a:extLst>
               <a:ext uri="{FF2B5EF4-FFF2-40B4-BE49-F238E27FC236}">
-                <a16:creationId xmlns:a16="http://schemas.microsoft.com/office/drawing/2014/main" id="{9050C320-1881-4FFB-88ED-364B0DDC90B8}"/>
+                <a16:creationId xmlns:a16="http://schemas.microsoft.com/office/drawing/2014/main" id="{7B6F39EB-B256-4506-8613-04C4ACBAC1B3}"/>
               </a:ext>
             </a:extLst>
           </p:cNvPr>
@@ -3950,23 +3952,140 @@
         <p:spPr/>
         <p:txBody>
           <a:bodyPr>
-            <a:normAutofit/>
+            <a:noAutofit/>
           </a:bodyPr>
           <a:lstStyle/>
           <a:p>
-            <a:pPr algn="just"/>
-            <a:r>
-              <a:rPr lang="es-ES" sz="2800" dirty="0"/>
-              <a:t>La meta principal es empezar la implementación de la aplicación propuesta, gracias a los prototipos que hemos realizado anteriormente, se tiene una idea mucho más clara de los requerimientos que tienen los profesores, así como las mejoras que ellos nos propusieron con la finalidad de poder realizar un producto que cumpla las expectativas de los usuarios a quienes nos estamos dirigiendo.</a:t>
-            </a:r>
-            <a:endParaRPr lang="es-EC" sz="2800" dirty="0"/>
+            <a:endParaRPr lang="es-EC" dirty="0"/>
+          </a:p>
+          <a:p>
+            <a:pPr lvl="1">
+              <a:buFont typeface="Wingdings" panose="05000000000000000000" pitchFamily="2" charset="2"/>
+              <a:buChar char="§"/>
+            </a:pPr>
+            <a:r>
+              <a:rPr lang="es-EC" sz="2000" dirty="0"/>
+              <a:t>Como profesor deseo poder conocer cuando un reporte colaborativo de la sección páginas de </a:t>
+            </a:r>
+            <a:r>
+              <a:rPr lang="es-EC" sz="2000" dirty="0" err="1"/>
+              <a:t>SidWeb</a:t>
+            </a:r>
+            <a:r>
+              <a:rPr lang="es-EC" sz="2000" dirty="0"/>
+              <a:t> haya sido cargado en la aplicación.</a:t>
+            </a:r>
+          </a:p>
+          <a:p>
+            <a:pPr lvl="1">
+              <a:buFont typeface="Wingdings" panose="05000000000000000000" pitchFamily="2" charset="2"/>
+              <a:buChar char="§"/>
+            </a:pPr>
+            <a:endParaRPr lang="es-EC" sz="2000" dirty="0"/>
+          </a:p>
+          <a:p>
+            <a:pPr lvl="1">
+              <a:buFont typeface="Wingdings" panose="05000000000000000000" pitchFamily="2" charset="2"/>
+              <a:buChar char="§"/>
+            </a:pPr>
+            <a:r>
+              <a:rPr lang="es-EC" sz="2000" dirty="0"/>
+              <a:t>Como profesor deseo poder conocer cuando reporte colaborativo de la sección páginas de </a:t>
+            </a:r>
+            <a:r>
+              <a:rPr lang="es-EC" sz="2000" dirty="0" err="1"/>
+              <a:t>SidWeb</a:t>
+            </a:r>
+            <a:r>
+              <a:rPr lang="es-EC" sz="2000" dirty="0"/>
+              <a:t> haya sido cerrado en la aplicación.</a:t>
+            </a:r>
+          </a:p>
+          <a:p>
+            <a:pPr lvl="1">
+              <a:buFont typeface="Wingdings" panose="05000000000000000000" pitchFamily="2" charset="2"/>
+              <a:buChar char="§"/>
+            </a:pPr>
+            <a:endParaRPr lang="es-EC" sz="2000" dirty="0"/>
+          </a:p>
+          <a:p>
+            <a:pPr lvl="1">
+              <a:buFont typeface="Wingdings" panose="05000000000000000000" pitchFamily="2" charset="2"/>
+              <a:buChar char="§"/>
+            </a:pPr>
+            <a:r>
+              <a:rPr lang="es-ES" sz="2000" dirty="0"/>
+              <a:t>Como profesor quiero que la aplicación me permita subir el </a:t>
+            </a:r>
+            <a:r>
+              <a:rPr lang="es-EC" sz="2000" dirty="0"/>
+              <a:t>reporte colaborativo </a:t>
+            </a:r>
+            <a:r>
+              <a:rPr lang="es-ES" sz="2000" dirty="0"/>
+              <a:t>de una página para poder obtener un informe que incluya el texto como este se presenta en el </a:t>
+            </a:r>
+            <a:r>
+              <a:rPr lang="es-ES" sz="2000" dirty="0" err="1"/>
+              <a:t>Sidweb</a:t>
+            </a:r>
+            <a:r>
+              <a:rPr lang="es-ES" sz="2000" dirty="0"/>
+              <a:t>.</a:t>
+            </a:r>
+          </a:p>
+          <a:p>
+            <a:pPr lvl="1">
+              <a:buFont typeface="Wingdings" panose="05000000000000000000" pitchFamily="2" charset="2"/>
+              <a:buChar char="§"/>
+            </a:pPr>
+            <a:endParaRPr lang="es-ES" sz="2000" dirty="0"/>
+          </a:p>
+          <a:p>
+            <a:pPr lvl="1">
+              <a:buFont typeface="Wingdings" panose="05000000000000000000" pitchFamily="2" charset="2"/>
+              <a:buChar char="§"/>
+            </a:pPr>
+            <a:r>
+              <a:rPr lang="es-ES" sz="2000" dirty="0"/>
+              <a:t>Como profesor quiero que la aplicación me separe </a:t>
+            </a:r>
+            <a:r>
+              <a:rPr lang="es-EC" sz="2000" dirty="0"/>
+              <a:t>por colores distintivos el </a:t>
+            </a:r>
+            <a:r>
+              <a:rPr lang="es-ES" sz="2000" dirty="0"/>
+              <a:t>texto ingresado por cada alumno en el reporte colaborativo que haya cargado para diferenciar el trabajo de cada uno.</a:t>
+            </a:r>
+          </a:p>
+          <a:p>
+            <a:pPr lvl="1">
+              <a:buFont typeface="Wingdings" panose="05000000000000000000" pitchFamily="2" charset="2"/>
+              <a:buChar char="§"/>
+            </a:pPr>
+            <a:endParaRPr lang="es-ES" sz="2000" dirty="0"/>
+          </a:p>
+          <a:p>
+            <a:pPr lvl="1">
+              <a:buFont typeface="Wingdings" panose="05000000000000000000" pitchFamily="2" charset="2"/>
+              <a:buChar char="§"/>
+            </a:pPr>
+            <a:endParaRPr lang="es-ES" sz="2000" dirty="0"/>
+          </a:p>
+          <a:p>
+            <a:pPr lvl="1">
+              <a:buFont typeface="Wingdings" panose="05000000000000000000" pitchFamily="2" charset="2"/>
+              <a:buChar char="§"/>
+            </a:pPr>
+            <a:endParaRPr lang="es-EC" sz="2000" dirty="0"/>
           </a:p>
         </p:txBody>
       </p:sp>
     </p:spTree>
     <p:extLst>
       <p:ext uri="{BB962C8B-B14F-4D97-AF65-F5344CB8AC3E}">
-        <p14:creationId xmlns:p14="http://schemas.microsoft.com/office/powerpoint/2010/main" val="475858375"/>
+        <p14:creationId xmlns:p14="http://schemas.microsoft.com/office/powerpoint/2010/main" val="2403105393"/>
       </p:ext>
     </p:extLst>
   </p:cSld>
@@ -3998,6 +4117,96 @@
           <p:cNvPr id="2" name="Título 1">
             <a:extLst>
               <a:ext uri="{FF2B5EF4-FFF2-40B4-BE49-F238E27FC236}">
+                <a16:creationId xmlns:a16="http://schemas.microsoft.com/office/drawing/2014/main" id="{536B7F05-76FC-4483-82AB-A8CD7388AC8D}"/>
+              </a:ext>
+            </a:extLst>
+          </p:cNvPr>
+          <p:cNvSpPr>
+            <a:spLocks noGrp="1"/>
+          </p:cNvSpPr>
+          <p:nvPr>
+            <p:ph type="title"/>
+          </p:nvPr>
+        </p:nvSpPr>
+        <p:spPr/>
+        <p:txBody>
+          <a:bodyPr/>
+          <a:lstStyle/>
+          <a:p>
+            <a:r>
+              <a:rPr lang="es-EC" dirty="0"/>
+              <a:t>Meta del Sprint</a:t>
+            </a:r>
+          </a:p>
+        </p:txBody>
+      </p:sp>
+      <p:sp>
+        <p:nvSpPr>
+          <p:cNvPr id="3" name="Marcador de contenido 2">
+            <a:extLst>
+              <a:ext uri="{FF2B5EF4-FFF2-40B4-BE49-F238E27FC236}">
+                <a16:creationId xmlns:a16="http://schemas.microsoft.com/office/drawing/2014/main" id="{9050C320-1881-4FFB-88ED-364B0DDC90B8}"/>
+              </a:ext>
+            </a:extLst>
+          </p:cNvPr>
+          <p:cNvSpPr>
+            <a:spLocks noGrp="1"/>
+          </p:cNvSpPr>
+          <p:nvPr>
+            <p:ph idx="1"/>
+          </p:nvPr>
+        </p:nvSpPr>
+        <p:spPr/>
+        <p:txBody>
+          <a:bodyPr>
+            <a:normAutofit/>
+          </a:bodyPr>
+          <a:lstStyle/>
+          <a:p>
+            <a:pPr algn="just"/>
+            <a:r>
+              <a:rPr lang="es-ES" sz="2800" dirty="0"/>
+              <a:t>La meta principal es empezar la implementación de la aplicación propuesta, gracias a los prototipos que hemos realizado anteriormente, se tiene una idea mucho más clara de los requerimientos que tienen los profesores, así como las mejoras que ellos nos propusieron con la finalidad de poder realizar un producto que cumpla las expectativas de los usuarios a quienes nos estamos dirigiendo.</a:t>
+            </a:r>
+            <a:endParaRPr lang="es-EC" sz="2800" dirty="0"/>
+          </a:p>
+        </p:txBody>
+      </p:sp>
+    </p:spTree>
+    <p:extLst>
+      <p:ext uri="{BB962C8B-B14F-4D97-AF65-F5344CB8AC3E}">
+        <p14:creationId xmlns:p14="http://schemas.microsoft.com/office/powerpoint/2010/main" val="475858375"/>
+      </p:ext>
+    </p:extLst>
+  </p:cSld>
+  <p:clrMapOvr>
+    <a:masterClrMapping/>
+  </p:clrMapOvr>
+</p:sld>
+</file>
+
+<file path=ppt/slides/slide4.xml><?xml version="1.0" encoding="utf-8"?>
+<p:sld xmlns:a="http://schemas.openxmlformats.org/drawingml/2006/main" xmlns:r="http://schemas.openxmlformats.org/officeDocument/2006/relationships" xmlns:p="http://schemas.openxmlformats.org/presentationml/2006/main">
+  <p:cSld>
+    <p:spTree>
+      <p:nvGrpSpPr>
+        <p:cNvPr id="1" name=""/>
+        <p:cNvGrpSpPr/>
+        <p:nvPr/>
+      </p:nvGrpSpPr>
+      <p:grpSpPr>
+        <a:xfrm>
+          <a:off x="0" y="0"/>
+          <a:ext cx="0" cy="0"/>
+          <a:chOff x="0" y="0"/>
+          <a:chExt cx="0" cy="0"/>
+        </a:xfrm>
+      </p:grpSpPr>
+      <p:sp>
+        <p:nvSpPr>
+          <p:cNvPr id="2" name="Título 1">
+            <a:extLst>
+              <a:ext uri="{FF2B5EF4-FFF2-40B4-BE49-F238E27FC236}">
                 <a16:creationId xmlns:a16="http://schemas.microsoft.com/office/drawing/2014/main" id="{10A00611-2C87-43C1-8E03-1CAB02B51387}"/>
               </a:ext>
             </a:extLst>
@@ -4077,7 +4286,7 @@
 </p:sld>
 </file>
 
-<file path=ppt/slides/slide4.xml><?xml version="1.0" encoding="utf-8"?>
+<file path=ppt/slides/slide5.xml><?xml version="1.0" encoding="utf-8"?>
 <p:sld xmlns:a="http://schemas.openxmlformats.org/drawingml/2006/main" xmlns:r="http://schemas.openxmlformats.org/officeDocument/2006/relationships" xmlns:p="http://schemas.openxmlformats.org/presentationml/2006/main">
   <p:cSld>
     <p:spTree>
@@ -4217,7 +4426,172 @@
 </p:sld>
 </file>
 
-<file path=ppt/slides/slide5.xml><?xml version="1.0" encoding="utf-8"?>
+<file path=ppt/slides/slide6.xml><?xml version="1.0" encoding="utf-8"?>
+<p:sld xmlns:a="http://schemas.openxmlformats.org/drawingml/2006/main" xmlns:r="http://schemas.openxmlformats.org/officeDocument/2006/relationships" xmlns:p="http://schemas.openxmlformats.org/presentationml/2006/main">
+  <p:cSld>
+    <p:spTree>
+      <p:nvGrpSpPr>
+        <p:cNvPr id="1" name=""/>
+        <p:cNvGrpSpPr/>
+        <p:nvPr/>
+      </p:nvGrpSpPr>
+      <p:grpSpPr>
+        <a:xfrm>
+          <a:off x="0" y="0"/>
+          <a:ext cx="0" cy="0"/>
+          <a:chOff x="0" y="0"/>
+          <a:chExt cx="0" cy="0"/>
+        </a:xfrm>
+      </p:grpSpPr>
+      <p:sp>
+        <p:nvSpPr>
+          <p:cNvPr id="2" name="Título 1">
+            <a:extLst>
+              <a:ext uri="{FF2B5EF4-FFF2-40B4-BE49-F238E27FC236}">
+                <a16:creationId xmlns:a16="http://schemas.microsoft.com/office/drawing/2014/main" id="{A13AAA56-90CA-4B13-AC61-3D1864ABB6F8}"/>
+              </a:ext>
+            </a:extLst>
+          </p:cNvPr>
+          <p:cNvSpPr>
+            <a:spLocks noGrp="1"/>
+          </p:cNvSpPr>
+          <p:nvPr>
+            <p:ph type="title"/>
+          </p:nvPr>
+        </p:nvSpPr>
+        <p:spPr/>
+        <p:txBody>
+          <a:bodyPr/>
+          <a:lstStyle/>
+          <a:p>
+            <a:r>
+              <a:rPr lang="es-EC" dirty="0"/>
+              <a:t>Muestra</a:t>
+            </a:r>
+          </a:p>
+        </p:txBody>
+      </p:sp>
+      <p:pic>
+        <p:nvPicPr>
+          <p:cNvPr id="8" name="Marcador de contenido 7" descr="Imagen que contiene persona, portátil, interior, ordenador&#10;&#10;Descripción generada automáticamente">
+            <a:extLst>
+              <a:ext uri="{FF2B5EF4-FFF2-40B4-BE49-F238E27FC236}">
+                <a16:creationId xmlns:a16="http://schemas.microsoft.com/office/drawing/2014/main" id="{DF3DF09C-E66C-4B03-82C4-98F82C1DE44A}"/>
+              </a:ext>
+            </a:extLst>
+          </p:cNvPr>
+          <p:cNvPicPr>
+            <a:picLocks noGrp="1" noChangeAspect="1"/>
+          </p:cNvPicPr>
+          <p:nvPr>
+            <p:ph idx="1"/>
+          </p:nvPr>
+        </p:nvPicPr>
+        <p:blipFill>
+          <a:blip r:embed="rId2">
+            <a:extLst>
+              <a:ext uri="{28A0092B-C50C-407E-A947-70E740481C1C}">
+                <a14:useLocalDpi xmlns:a14="http://schemas.microsoft.com/office/drawing/2010/main" val="0"/>
+              </a:ext>
+            </a:extLst>
+          </a:blip>
+          <a:stretch>
+            <a:fillRect/>
+          </a:stretch>
+        </p:blipFill>
+        <p:spPr>
+          <a:xfrm>
+            <a:off x="709174" y="1994390"/>
+            <a:ext cx="3511615" cy="1755808"/>
+          </a:xfrm>
+        </p:spPr>
+      </p:pic>
+      <p:pic>
+        <p:nvPicPr>
+          <p:cNvPr id="10" name="Imagen 9" descr="Imagen que contiene persona, interior, portátil, hombre&#10;&#10;Descripción generada automáticamente">
+            <a:extLst>
+              <a:ext uri="{FF2B5EF4-FFF2-40B4-BE49-F238E27FC236}">
+                <a16:creationId xmlns:a16="http://schemas.microsoft.com/office/drawing/2014/main" id="{48BFD2E5-DA6D-4E9A-A4C7-7A38C15F26B7}"/>
+              </a:ext>
+            </a:extLst>
+          </p:cNvPr>
+          <p:cNvPicPr>
+            <a:picLocks noChangeAspect="1"/>
+          </p:cNvPicPr>
+          <p:nvPr/>
+        </p:nvPicPr>
+        <p:blipFill>
+          <a:blip r:embed="rId3">
+            <a:extLst>
+              <a:ext uri="{28A0092B-C50C-407E-A947-70E740481C1C}">
+                <a14:useLocalDpi xmlns:a14="http://schemas.microsoft.com/office/drawing/2010/main" val="0"/>
+              </a:ext>
+            </a:extLst>
+          </a:blip>
+          <a:stretch>
+            <a:fillRect/>
+          </a:stretch>
+        </p:blipFill>
+        <p:spPr>
+          <a:xfrm>
+            <a:off x="8740752" y="1754440"/>
+            <a:ext cx="2252788" cy="4505575"/>
+          </a:xfrm>
+          <a:prstGeom prst="rect">
+            <a:avLst/>
+          </a:prstGeom>
+        </p:spPr>
+      </p:pic>
+      <p:pic>
+        <p:nvPicPr>
+          <p:cNvPr id="12" name="Imagen 11" descr="Imagen que contiene persona, pared, interior, portátil&#10;&#10;Descripción generada automáticamente">
+            <a:extLst>
+              <a:ext uri="{FF2B5EF4-FFF2-40B4-BE49-F238E27FC236}">
+                <a16:creationId xmlns:a16="http://schemas.microsoft.com/office/drawing/2014/main" id="{3722FCB8-73C0-42BE-92F3-A97D2D191C03}"/>
+              </a:ext>
+            </a:extLst>
+          </p:cNvPr>
+          <p:cNvPicPr>
+            <a:picLocks noChangeAspect="1"/>
+          </p:cNvPicPr>
+          <p:nvPr/>
+        </p:nvPicPr>
+        <p:blipFill>
+          <a:blip r:embed="rId4">
+            <a:extLst>
+              <a:ext uri="{28A0092B-C50C-407E-A947-70E740481C1C}">
+                <a14:useLocalDpi xmlns:a14="http://schemas.microsoft.com/office/drawing/2010/main" val="0"/>
+              </a:ext>
+            </a:extLst>
+          </a:blip>
+          <a:stretch>
+            <a:fillRect/>
+          </a:stretch>
+        </p:blipFill>
+        <p:spPr>
+          <a:xfrm>
+            <a:off x="3472405" y="4007228"/>
+            <a:ext cx="4148472" cy="2074236"/>
+          </a:xfrm>
+          <a:prstGeom prst="rect">
+            <a:avLst/>
+          </a:prstGeom>
+        </p:spPr>
+      </p:pic>
+    </p:spTree>
+    <p:extLst>
+      <p:ext uri="{BB962C8B-B14F-4D97-AF65-F5344CB8AC3E}">
+        <p14:creationId xmlns:p14="http://schemas.microsoft.com/office/powerpoint/2010/main" val="148930753"/>
+      </p:ext>
+    </p:extLst>
+  </p:cSld>
+  <p:clrMapOvr>
+    <a:masterClrMapping/>
+  </p:clrMapOvr>
+</p:sld>
+</file>
+
+<file path=ppt/slides/slide7.xml><?xml version="1.0" encoding="utf-8"?>
 <p:sld xmlns:a="http://schemas.openxmlformats.org/drawingml/2006/main" xmlns:r="http://schemas.openxmlformats.org/officeDocument/2006/relationships" xmlns:p="http://schemas.openxmlformats.org/presentationml/2006/main">
   <p:cSld>
     <p:spTree>
